--- a/제안서제출(김주호,신동윤,이승해).pptx
+++ b/제안서제출(김주호,신동윤,이승해).pptx
@@ -150,10 +150,6 @@
 </p:cmAuthorLst>
 </file>
 
-<file path=ppt/revisionInfo.xml><?xml version="1.0" encoding="utf-8"?>
-<p1510:revInfo xmlns:a="http://schemas.openxmlformats.org/drawingml/2006/main" xmlns:r="http://schemas.openxmlformats.org/officeDocument/2006/relationships" xmlns:p1510="http://schemas.microsoft.com/office/powerpoint/2015/10/main"/>
-</file>
-
 <file path=ppt/handoutMasters/handoutMaster1.xml><?xml version="1.0" encoding="utf-8"?>
 <p:handoutMaster xmlns:a="http://schemas.openxmlformats.org/drawingml/2006/main" xmlns:r="http://schemas.openxmlformats.org/officeDocument/2006/relationships" xmlns:p="http://schemas.openxmlformats.org/presentationml/2006/main">
   <p:cSld>
@@ -236,7 +232,7 @@
           <a:p>
             <a:fld id="{EFA110B7-BF82-4176-94AC-54B2B27810B2}" type="datetimeFigureOut">
               <a:rPr lang="ko-KR" altLang="en-US" smtClean="0"/>
-              <a:t>2018-02-01</a:t>
+              <a:t>2018-02-13</a:t>
             </a:fld>
             <a:endParaRPr lang="ko-KR" altLang="en-US"/>
           </a:p>
@@ -402,7 +398,7 @@
           <a:p>
             <a:fld id="{53D941FC-97DF-48E3-A649-D50B6EE0B698}" type="datetimeFigureOut">
               <a:rPr lang="ko-KR" altLang="en-US" smtClean="0"/>
-              <a:t>2018-02-01</a:t>
+              <a:t>2018-02-13</a:t>
             </a:fld>
             <a:endParaRPr lang="ko-KR" altLang="en-US"/>
           </a:p>
@@ -2266,7 +2262,7 @@
           <a:p>
             <a:fld id="{FCD7EBE8-5558-4A7D-ACE5-A8E7DFB401C1}" type="datetime1">
               <a:rPr lang="en-US" altLang="ko-KR" smtClean="0"/>
-              <a:t>2/1/2018</a:t>
+              <a:t>2/13/2018</a:t>
             </a:fld>
             <a:endParaRPr lang="en-US" dirty="0"/>
           </a:p>
@@ -2529,7 +2525,7 @@
           <a:p>
             <a:fld id="{C4B7CD2C-CABA-4346-A4A6-88410D267D13}" type="datetime1">
               <a:rPr lang="en-US" altLang="ko-KR" smtClean="0"/>
-              <a:t>2/1/2018</a:t>
+              <a:t>2/13/2018</a:t>
             </a:fld>
             <a:endParaRPr lang="en-US" dirty="0"/>
           </a:p>
@@ -2765,7 +2761,7 @@
           <a:p>
             <a:fld id="{D7646DE3-16DA-4737-8B40-57E1C3D5DF25}" type="datetime1">
               <a:rPr lang="en-US" altLang="ko-KR" smtClean="0"/>
-              <a:t>2/1/2018</a:t>
+              <a:t>2/13/2018</a:t>
             </a:fld>
             <a:endParaRPr lang="en-US" dirty="0"/>
           </a:p>
@@ -3006,7 +3002,7 @@
           <a:p>
             <a:fld id="{700430B1-F828-446B-BFF1-70AF31DE7726}" type="datetime1">
               <a:rPr lang="en-US" altLang="ko-KR" smtClean="0"/>
-              <a:t>2/1/2018</a:t>
+              <a:t>2/13/2018</a:t>
             </a:fld>
             <a:endParaRPr lang="en-US" dirty="0"/>
           </a:p>
@@ -3314,7 +3310,7 @@
           <a:p>
             <a:fld id="{744C3790-1435-473A-BB60-354DDE809763}" type="datetime1">
               <a:rPr lang="en-US" altLang="ko-KR" smtClean="0"/>
-              <a:t>2/1/2018</a:t>
+              <a:t>2/13/2018</a:t>
             </a:fld>
             <a:endParaRPr lang="en-US" dirty="0"/>
           </a:p>
@@ -3617,7 +3613,7 @@
           <a:p>
             <a:fld id="{AF0F5311-28BD-4131-BD8B-AE6CFFA9BD2F}" type="datetime1">
               <a:rPr lang="en-US" altLang="ko-KR" smtClean="0"/>
-              <a:t>2/1/2018</a:t>
+              <a:t>2/13/2018</a:t>
             </a:fld>
             <a:endParaRPr lang="en-US" dirty="0"/>
           </a:p>
@@ -4040,7 +4036,7 @@
           <a:p>
             <a:fld id="{5DBF5CDD-8143-4857-9FE3-ECE04DC79D8D}" type="datetime1">
               <a:rPr lang="en-US" altLang="ko-KR" smtClean="0"/>
-              <a:t>2/1/2018</a:t>
+              <a:t>2/13/2018</a:t>
             </a:fld>
             <a:endParaRPr lang="en-US" dirty="0"/>
           </a:p>
@@ -4136,7 +4132,7 @@
           <a:p>
             <a:fld id="{7847C9C3-F928-4368-82FD-3D2F195B5B54}" type="datetime1">
               <a:rPr lang="en-US" altLang="ko-KR" smtClean="0"/>
-              <a:t>2/1/2018</a:t>
+              <a:t>2/13/2018</a:t>
             </a:fld>
             <a:endParaRPr lang="en-US" dirty="0"/>
           </a:p>
@@ -4299,7 +4295,7 @@
           <a:p>
             <a:fld id="{0115385B-96D5-4EB4-A65D-9C172E3FDEEC}" type="datetime1">
               <a:rPr lang="en-US" altLang="ko-KR" smtClean="0"/>
-              <a:t>2/1/2018</a:t>
+              <a:t>2/13/2018</a:t>
             </a:fld>
             <a:endParaRPr lang="en-US" dirty="0"/>
           </a:p>
@@ -4678,7 +4674,7 @@
           <a:p>
             <a:fld id="{377B16DC-169A-4498-B8B5-D7A76758A099}" type="datetime1">
               <a:rPr lang="en-US" altLang="ko-KR" smtClean="0"/>
-              <a:t>2/1/2018</a:t>
+              <a:t>2/13/2018</a:t>
             </a:fld>
             <a:endParaRPr lang="en-US" dirty="0"/>
           </a:p>
@@ -4968,7 +4964,7 @@
           <a:p>
             <a:fld id="{89B359A3-C19C-4C25-8ABB-2F1328B56ECB}" type="datetime1">
               <a:rPr lang="en-US" altLang="ko-KR" smtClean="0"/>
-              <a:t>2/1/2018</a:t>
+              <a:t>2/13/2018</a:t>
             </a:fld>
             <a:endParaRPr lang="en-US" dirty="0"/>
           </a:p>
@@ -5180,7 +5176,7 @@
           <a:p>
             <a:fld id="{007E1B10-6F01-46F7-A19C-7CF5B0A7D353}" type="datetime1">
               <a:rPr lang="en-US" altLang="ko-KR" smtClean="0"/>
-              <a:t>2/1/2018</a:t>
+              <a:t>2/13/2018</a:t>
             </a:fld>
             <a:endParaRPr lang="en-US" dirty="0"/>
           </a:p>
